--- a/libs/materials/suppress-for-release-image-support.pptx
+++ b/libs/materials/suppress-for-release-image-support.pptx
@@ -256,7 +256,7 @@
           <a:p>
             <a:fld id="{4132C8D7-8B1A-475B-A2AD-C50738153F61}" type="datetimeFigureOut">
               <a:rPr lang="en-US" smtClean="0"/>
-              <a:t>2018-03-04</a:t>
+              <a:t>2018-03-05</a:t>
             </a:fld>
             <a:endParaRPr lang="en-US"/>
           </a:p>
@@ -426,7 +426,7 @@
           <a:p>
             <a:fld id="{4132C8D7-8B1A-475B-A2AD-C50738153F61}" type="datetimeFigureOut">
               <a:rPr lang="en-US" smtClean="0"/>
-              <a:t>2018-03-04</a:t>
+              <a:t>2018-03-05</a:t>
             </a:fld>
             <a:endParaRPr lang="en-US"/>
           </a:p>
@@ -606,7 +606,7 @@
           <a:p>
             <a:fld id="{4132C8D7-8B1A-475B-A2AD-C50738153F61}" type="datetimeFigureOut">
               <a:rPr lang="en-US" smtClean="0"/>
-              <a:t>2018-03-04</a:t>
+              <a:t>2018-03-05</a:t>
             </a:fld>
             <a:endParaRPr lang="en-US"/>
           </a:p>
@@ -776,7 +776,7 @@
           <a:p>
             <a:fld id="{4132C8D7-8B1A-475B-A2AD-C50738153F61}" type="datetimeFigureOut">
               <a:rPr lang="en-US" smtClean="0"/>
-              <a:t>2018-03-04</a:t>
+              <a:t>2018-03-05</a:t>
             </a:fld>
             <a:endParaRPr lang="en-US"/>
           </a:p>
@@ -1022,7 +1022,7 @@
           <a:p>
             <a:fld id="{4132C8D7-8B1A-475B-A2AD-C50738153F61}" type="datetimeFigureOut">
               <a:rPr lang="en-US" smtClean="0"/>
-              <a:t>2018-03-04</a:t>
+              <a:t>2018-03-05</a:t>
             </a:fld>
             <a:endParaRPr lang="en-US"/>
           </a:p>
@@ -1254,7 +1254,7 @@
           <a:p>
             <a:fld id="{4132C8D7-8B1A-475B-A2AD-C50738153F61}" type="datetimeFigureOut">
               <a:rPr lang="en-US" smtClean="0"/>
-              <a:t>2018-03-04</a:t>
+              <a:t>2018-03-05</a:t>
             </a:fld>
             <a:endParaRPr lang="en-US"/>
           </a:p>
@@ -1621,7 +1621,7 @@
           <a:p>
             <a:fld id="{4132C8D7-8B1A-475B-A2AD-C50738153F61}" type="datetimeFigureOut">
               <a:rPr lang="en-US" smtClean="0"/>
-              <a:t>2018-03-04</a:t>
+              <a:t>2018-03-05</a:t>
             </a:fld>
             <a:endParaRPr lang="en-US"/>
           </a:p>
@@ -1739,7 +1739,7 @@
           <a:p>
             <a:fld id="{4132C8D7-8B1A-475B-A2AD-C50738153F61}" type="datetimeFigureOut">
               <a:rPr lang="en-US" smtClean="0"/>
-              <a:t>2018-03-04</a:t>
+              <a:t>2018-03-05</a:t>
             </a:fld>
             <a:endParaRPr lang="en-US"/>
           </a:p>
@@ -1834,7 +1834,7 @@
           <a:p>
             <a:fld id="{4132C8D7-8B1A-475B-A2AD-C50738153F61}" type="datetimeFigureOut">
               <a:rPr lang="en-US" smtClean="0"/>
-              <a:t>2018-03-04</a:t>
+              <a:t>2018-03-05</a:t>
             </a:fld>
             <a:endParaRPr lang="en-US"/>
           </a:p>
@@ -2111,7 +2111,7 @@
           <a:p>
             <a:fld id="{4132C8D7-8B1A-475B-A2AD-C50738153F61}" type="datetimeFigureOut">
               <a:rPr lang="en-US" smtClean="0"/>
-              <a:t>2018-03-04</a:t>
+              <a:t>2018-03-05</a:t>
             </a:fld>
             <a:endParaRPr lang="en-US"/>
           </a:p>
@@ -2364,7 +2364,7 @@
           <a:p>
             <a:fld id="{4132C8D7-8B1A-475B-A2AD-C50738153F61}" type="datetimeFigureOut">
               <a:rPr lang="en-US" smtClean="0"/>
-              <a:t>2018-03-04</a:t>
+              <a:t>2018-03-05</a:t>
             </a:fld>
             <a:endParaRPr lang="en-US"/>
           </a:p>
@@ -2577,7 +2577,7 @@
           <a:p>
             <a:fld id="{4132C8D7-8B1A-475B-A2AD-C50738153F61}" type="datetimeFigureOut">
               <a:rPr lang="en-US" smtClean="0"/>
-              <a:t>2018-03-04</a:t>
+              <a:t>2018-03-05</a:t>
             </a:fld>
             <a:endParaRPr lang="en-US"/>
           </a:p>
@@ -3615,7 +3615,7 @@
         </p:nvSpPr>
         <p:spPr>
           <a:xfrm>
-            <a:off x="4781008" y="737618"/>
+            <a:off x="4979447" y="737618"/>
             <a:ext cx="944489" cy="369332"/>
           </a:xfrm>
           <a:prstGeom prst="rect">
@@ -3649,7 +3649,7 @@
         </p:nvSpPr>
         <p:spPr>
           <a:xfrm>
-            <a:off x="6610465" y="737618"/>
+            <a:off x="6826656" y="709704"/>
             <a:ext cx="1071127" cy="369332"/>
           </a:xfrm>
           <a:prstGeom prst="rect">
@@ -3788,9 +3788,9 @@
         <p:grpSpPr>
           <a:xfrm>
             <a:off x="2365901" y="1934067"/>
-            <a:ext cx="7492664" cy="1567661"/>
+            <a:ext cx="7536281" cy="1567661"/>
             <a:chOff x="920904" y="2110168"/>
-            <a:chExt cx="7492663" cy="1567661"/>
+            <a:chExt cx="7536280" cy="1567661"/>
           </a:xfrm>
         </p:grpSpPr>
         <p:sp>
@@ -3841,9 +3841,24 @@
                 <a:buChar char="§"/>
               </a:pPr>
               <a:r>
+                <a:rPr lang="en-US" dirty="0"/>
+                <a:t>m</a:t>
+              </a:r>
+              <a:r>
                 <a:rPr lang="en-US" dirty="0" smtClean="0"/>
-                <a:t>meta</a:t>
+                <a:t>eta </a:t>
               </a:r>
+              <a:r>
+                <a:rPr lang="en-US" dirty="0">
+                  <a:solidFill>
+                    <a:schemeClr val="bg1">
+                      <a:lumMod val="75000"/>
+                    </a:schemeClr>
+                  </a:solidFill>
+                </a:rPr>
+                <a:t>[L]</a:t>
+              </a:r>
+              <a:endParaRPr lang="en-US" dirty="0" smtClean="0"/>
             </a:p>
             <a:p>
               <a:pPr marL="285750" indent="-285750">
@@ -3914,7 +3929,7 @@
           <p:spPr>
             <a:xfrm>
               <a:off x="2587074" y="2110168"/>
-              <a:ext cx="1891865" cy="646331"/>
+              <a:ext cx="1962397" cy="923330"/>
             </a:xfrm>
             <a:prstGeom prst="rect">
               <a:avLst/>
@@ -3935,6 +3950,27 @@
                 <a:rPr lang="en-US" dirty="0" smtClean="0"/>
                 <a:t>FRAMED </a:t>
               </a:r>
+            </a:p>
+            <a:p>
+              <a:pPr marL="742950" lvl="1" indent="-285750">
+                <a:buFont typeface="Wingdings" panose="05000000000000000000" pitchFamily="2" charset="2"/>
+                <a:buChar char="§"/>
+              </a:pPr>
+              <a:r>
+                <a:rPr lang="en-US" dirty="0" smtClean="0"/>
+                <a:t>cleaned </a:t>
+              </a:r>
+              <a:r>
+                <a:rPr lang="en-US" dirty="0" smtClean="0">
+                  <a:solidFill>
+                    <a:schemeClr val="bg1">
+                      <a:lumMod val="75000"/>
+                    </a:schemeClr>
+                  </a:solidFill>
+                </a:rPr>
+                <a:t>[L]</a:t>
+              </a:r>
+              <a:endParaRPr lang="en-US" dirty="0" smtClean="0"/>
             </a:p>
             <a:p>
               <a:pPr marL="742950" lvl="1" indent="-285750">
@@ -3973,8 +4009,8 @@
           </p:nvSpPr>
           <p:spPr>
             <a:xfrm>
-              <a:off x="5783423" y="2110168"/>
-              <a:ext cx="2630144" cy="1477328"/>
+              <a:off x="5885583" y="2116694"/>
+              <a:ext cx="2571601" cy="1200329"/>
             </a:xfrm>
             <a:prstGeom prst="rect">
               <a:avLst/>
@@ -3994,37 +4030,6 @@
               <a:r>
                 <a:rPr lang="en-US" dirty="0" smtClean="0"/>
                 <a:t>FRAMED</a:t>
-              </a:r>
-            </a:p>
-            <a:p>
-              <a:pPr marL="1200150" lvl="2" indent="-285750">
-                <a:buFont typeface="Wingdings" panose="05000000000000000000" pitchFamily="2" charset="2"/>
-                <a:buChar char="§"/>
-              </a:pPr>
-              <a:r>
-                <a:rPr lang="en-US" dirty="0" smtClean="0"/>
-                <a:t>redacted</a:t>
-              </a:r>
-              <a:r>
-                <a:rPr lang="en-US" dirty="0" smtClean="0">
-                  <a:solidFill>
-                    <a:schemeClr val="tx1">
-                      <a:lumMod val="50000"/>
-                      <a:lumOff val="50000"/>
-                    </a:schemeClr>
-                  </a:solidFill>
-                </a:rPr>
-                <a:t> </a:t>
-              </a:r>
-              <a:r>
-                <a:rPr lang="en-US" dirty="0" smtClean="0">
-                  <a:solidFill>
-                    <a:schemeClr val="bg1">
-                      <a:lumMod val="75000"/>
-                    </a:schemeClr>
-                  </a:solidFill>
-                </a:rPr>
-                <a:t>[W]</a:t>
               </a:r>
             </a:p>
             <a:p>
@@ -4054,8 +4059,23 @@
               </a:pPr>
               <a:r>
                 <a:rPr lang="en-US" dirty="0" smtClean="0"/>
-                <a:t>graph</a:t>
+                <a:t>plotted</a:t>
               </a:r>
+              <a:r>
+                <a:rPr lang="en-US" dirty="0" smtClean="0"/>
+                <a:t> </a:t>
+              </a:r>
+              <a:r>
+                <a:rPr lang="en-US" dirty="0">
+                  <a:solidFill>
+                    <a:schemeClr val="bg1">
+                      <a:lumMod val="75000"/>
+                    </a:schemeClr>
+                  </a:solidFill>
+                </a:rPr>
+                <a:t>[W]</a:t>
+              </a:r>
+              <a:endParaRPr lang="en-US" dirty="0" smtClean="0"/>
             </a:p>
             <a:p>
               <a:pPr marL="742950" lvl="1" indent="-285750">
@@ -4063,8 +4083,22 @@
                 <a:buChar char="§"/>
               </a:pPr>
               <a:r>
+                <a:rPr lang="en-US" dirty="0"/>
+                <a:t>a</a:t>
+              </a:r>
+              <a:r>
                 <a:rPr lang="en-US" dirty="0" smtClean="0"/>
-                <a:t>augmented</a:t>
+                <a:t>ugmented </a:t>
+              </a:r>
+              <a:r>
+                <a:rPr lang="en-US" dirty="0">
+                  <a:solidFill>
+                    <a:schemeClr val="bg1">
+                      <a:lumMod val="75000"/>
+                    </a:schemeClr>
+                  </a:solidFill>
+                </a:rPr>
+                <a:t>[L]</a:t>
               </a:r>
               <a:endParaRPr lang="en-US" dirty="0"/>
             </a:p>
@@ -4425,15 +4459,18 @@
                   </a:schemeClr>
                 </a:solidFill>
               </a:rPr>
-              <a:t>[W]</a:t>
-            </a:r>
-            <a:endParaRPr lang="en-US" dirty="0">
-              <a:solidFill>
-                <a:schemeClr val="bg1">
-                  <a:lumMod val="75000"/>
-                </a:schemeClr>
-              </a:solidFill>
-            </a:endParaRPr>
+              <a:t>[W</a:t>
+            </a:r>
+            <a:r>
+              <a:rPr lang="en-US" dirty="0" smtClean="0">
+                <a:solidFill>
+                  <a:schemeClr val="bg1">
+                    <a:lumMod val="75000"/>
+                  </a:schemeClr>
+                </a:solidFill>
+              </a:rPr>
+              <a:t>]</a:t>
+            </a:r>
           </a:p>
         </p:txBody>
       </p:sp>
@@ -7020,7 +7057,7 @@
         <p:spPr>
           <a:xfrm>
             <a:off x="100343" y="82670"/>
-            <a:ext cx="6208965" cy="369332"/>
+            <a:ext cx="6771762" cy="369332"/>
           </a:xfrm>
           <a:prstGeom prst="rect">
             <a:avLst/>
@@ -7037,19 +7074,13 @@
               <a:rPr lang="en-US" dirty="0" smtClean="0">
                 <a:latin typeface="+mj-lt"/>
               </a:rPr>
-              <a:t>Workflow for ./</a:t>
-            </a:r>
-            <a:r>
-              <a:rPr lang="en-US" dirty="0" err="1" smtClean="0">
-                <a:latin typeface="+mj-lt"/>
-              </a:rPr>
-              <a:t>bcopph</a:t>
+              <a:t>Workflow for </a:t>
             </a:r>
             <a:r>
               <a:rPr lang="en-US" dirty="0" smtClean="0">
                 <a:latin typeface="+mj-lt"/>
               </a:rPr>
-              <a:t>-suppress-for-release</a:t>
+              <a:t>`./suppress-for-release/manipulation/` </a:t>
             </a:r>
             <a:endParaRPr lang="en-US" dirty="0">
               <a:latin typeface="+mj-lt"/>
@@ -7105,6 +7136,40 @@
           </a:prstGeom>
         </p:spPr>
       </p:pic>
+      <p:sp>
+        <p:nvSpPr>
+          <p:cNvPr id="4" name="TextBox 3"/>
+          <p:cNvSpPr txBox="1"/>
+          <p:nvPr/>
+        </p:nvSpPr>
+        <p:spPr>
+          <a:xfrm>
+            <a:off x="102108" y="6531256"/>
+            <a:ext cx="1915909" cy="261610"/>
+          </a:xfrm>
+          <a:prstGeom prst="rect">
+            <a:avLst/>
+          </a:prstGeom>
+          <a:noFill/>
+        </p:spPr>
+        <p:txBody>
+          <a:bodyPr wrap="none" rtlCol="0">
+            <a:spAutoFit/>
+          </a:bodyPr>
+          <a:lstStyle/>
+          <a:p>
+            <a:r>
+              <a:rPr lang="en-US" sz="1100" dirty="0" smtClean="0">
+                <a:latin typeface="+mj-lt"/>
+              </a:rPr>
+              <a:t>By Andriy Koval, Ph.D. © 2018</a:t>
+            </a:r>
+            <a:endParaRPr lang="en-US" sz="1100" dirty="0">
+              <a:latin typeface="+mj-lt"/>
+            </a:endParaRPr>
+          </a:p>
+        </p:txBody>
+      </p:sp>
     </p:spTree>
     <p:extLst>
       <p:ext uri="{BB962C8B-B14F-4D97-AF65-F5344CB8AC3E}">
@@ -7150,7 +7215,7 @@
         </p:nvSpPr>
         <p:spPr>
           <a:xfrm>
-            <a:off x="848749" y="3079157"/>
+            <a:off x="648598" y="3419768"/>
             <a:ext cx="2092239" cy="338554"/>
           </a:xfrm>
           <a:prstGeom prst="rect">
@@ -7184,7 +7249,75 @@
         </p:nvSpPr>
         <p:spPr>
           <a:xfrm>
-            <a:off x="5049878" y="3079157"/>
+            <a:off x="4731165" y="3380047"/>
+            <a:ext cx="2765501" cy="338554"/>
+          </a:xfrm>
+          <a:prstGeom prst="rect">
+            <a:avLst/>
+          </a:prstGeom>
+          <a:noFill/>
+        </p:spPr>
+        <p:txBody>
+          <a:bodyPr wrap="none" rtlCol="0">
+            <a:spAutoFit/>
+          </a:bodyPr>
+          <a:lstStyle/>
+          <a:p>
+            <a:r>
+              <a:rPr lang="en-US" sz="1600" dirty="0" smtClean="0">
+                <a:latin typeface="Consolas" panose="020B0609020204030204" pitchFamily="49" charset="0"/>
+              </a:rPr>
+              <a:t>combine_logical_tests()</a:t>
+            </a:r>
+            <a:endParaRPr lang="en-US" sz="1600" dirty="0">
+              <a:latin typeface="Consolas" panose="020B0609020204030204" pitchFamily="49" charset="0"/>
+            </a:endParaRPr>
+          </a:p>
+        </p:txBody>
+      </p:sp>
+      <p:sp>
+        <p:nvSpPr>
+          <p:cNvPr id="10" name="TextBox 9"/>
+          <p:cNvSpPr txBox="1"/>
+          <p:nvPr/>
+        </p:nvSpPr>
+        <p:spPr>
+          <a:xfrm>
+            <a:off x="4972759" y="4528917"/>
+            <a:ext cx="2428870" cy="338554"/>
+          </a:xfrm>
+          <a:prstGeom prst="rect">
+            <a:avLst/>
+          </a:prstGeom>
+          <a:noFill/>
+        </p:spPr>
+        <p:txBody>
+          <a:bodyPr wrap="none" rtlCol="0">
+            <a:spAutoFit/>
+          </a:bodyPr>
+          <a:lstStyle/>
+          <a:p>
+            <a:r>
+              <a:rPr lang="en-US" sz="1600" dirty="0" smtClean="0">
+                <a:latin typeface="Consolas" panose="020B0609020204030204" pitchFamily="49" charset="0"/>
+              </a:rPr>
+              <a:t>prepare_for_tiling()</a:t>
+            </a:r>
+            <a:endParaRPr lang="en-US" sz="1600" dirty="0">
+              <a:latin typeface="Consolas" panose="020B0609020204030204" pitchFamily="49" charset="0"/>
+            </a:endParaRPr>
+          </a:p>
+        </p:txBody>
+      </p:sp>
+      <p:sp>
+        <p:nvSpPr>
+          <p:cNvPr id="11" name="TextBox 10"/>
+          <p:cNvSpPr txBox="1"/>
+          <p:nvPr/>
+        </p:nvSpPr>
+        <p:spPr>
+          <a:xfrm>
+            <a:off x="5197180" y="5452618"/>
             <a:ext cx="2092239" cy="338554"/>
           </a:xfrm>
           <a:prstGeom prst="rect">
@@ -7202,7 +7335,7 @@
               <a:rPr lang="en-US" sz="1600" dirty="0" smtClean="0">
                 <a:latin typeface="Consolas" panose="020B0609020204030204" pitchFamily="49" charset="0"/>
               </a:rPr>
-              <a:t>combine_censors()</a:t>
+              <a:t>make_tile_graph()</a:t>
             </a:r>
             <a:endParaRPr lang="en-US" sz="1600" dirty="0">
               <a:latin typeface="Consolas" panose="020B0609020204030204" pitchFamily="49" charset="0"/>
@@ -7212,81 +7345,13 @@
       </p:sp>
       <p:sp>
         <p:nvSpPr>
-          <p:cNvPr id="10" name="TextBox 9"/>
-          <p:cNvSpPr txBox="1"/>
-          <p:nvPr/>
-        </p:nvSpPr>
-        <p:spPr>
-          <a:xfrm>
-            <a:off x="4972759" y="4246286"/>
-            <a:ext cx="2428870" cy="338554"/>
-          </a:xfrm>
-          <a:prstGeom prst="rect">
-            <a:avLst/>
-          </a:prstGeom>
-          <a:noFill/>
-        </p:spPr>
-        <p:txBody>
-          <a:bodyPr wrap="none" rtlCol="0">
-            <a:spAutoFit/>
-          </a:bodyPr>
-          <a:lstStyle/>
-          <a:p>
-            <a:r>
-              <a:rPr lang="en-US" sz="1600" dirty="0" smtClean="0">
-                <a:latin typeface="Consolas" panose="020B0609020204030204" pitchFamily="49" charset="0"/>
-              </a:rPr>
-              <a:t>prepare_for_tiling()</a:t>
-            </a:r>
-            <a:endParaRPr lang="en-US" sz="1600" dirty="0">
-              <a:latin typeface="Consolas" panose="020B0609020204030204" pitchFamily="49" charset="0"/>
-            </a:endParaRPr>
-          </a:p>
-        </p:txBody>
-      </p:sp>
-      <p:sp>
-        <p:nvSpPr>
-          <p:cNvPr id="11" name="TextBox 10"/>
-          <p:cNvSpPr txBox="1"/>
-          <p:nvPr/>
-        </p:nvSpPr>
-        <p:spPr>
-          <a:xfrm>
-            <a:off x="5197180" y="5169987"/>
-            <a:ext cx="2092239" cy="338554"/>
-          </a:xfrm>
-          <a:prstGeom prst="rect">
-            <a:avLst/>
-          </a:prstGeom>
-          <a:noFill/>
-        </p:spPr>
-        <p:txBody>
-          <a:bodyPr wrap="none" rtlCol="0">
-            <a:spAutoFit/>
-          </a:bodyPr>
-          <a:lstStyle/>
-          <a:p>
-            <a:r>
-              <a:rPr lang="en-US" sz="1600" dirty="0" smtClean="0">
-                <a:latin typeface="Consolas" panose="020B0609020204030204" pitchFamily="49" charset="0"/>
-              </a:rPr>
-              <a:t>make_tile_graph()</a:t>
-            </a:r>
-            <a:endParaRPr lang="en-US" sz="1600" dirty="0">
-              <a:latin typeface="Consolas" panose="020B0609020204030204" pitchFamily="49" charset="0"/>
-            </a:endParaRPr>
-          </a:p>
-        </p:txBody>
-      </p:sp>
-      <p:sp>
-        <p:nvSpPr>
           <p:cNvPr id="12" name="TextBox 11"/>
           <p:cNvSpPr txBox="1"/>
           <p:nvPr/>
         </p:nvSpPr>
         <p:spPr>
           <a:xfrm>
-            <a:off x="5084969" y="6102084"/>
+            <a:off x="5084969" y="6384715"/>
             <a:ext cx="2204450" cy="338554"/>
           </a:xfrm>
           <a:prstGeom prst="rect">
@@ -7320,7 +7385,7 @@
         </p:nvSpPr>
         <p:spPr>
           <a:xfrm>
-            <a:off x="9990524" y="2000495"/>
+            <a:off x="9476018" y="172500"/>
             <a:ext cx="1643399" cy="338554"/>
           </a:xfrm>
           <a:prstGeom prst="rect">
@@ -7354,7 +7419,7 @@
         </p:nvSpPr>
         <p:spPr>
           <a:xfrm rot="5400000">
-            <a:off x="5756382" y="-2173238"/>
+            <a:off x="5756382" y="-1890607"/>
             <a:ext cx="690527" cy="11729158"/>
           </a:xfrm>
           <a:prstGeom prst="rightBrace">
@@ -7397,7 +7462,7 @@
         </p:nvSpPr>
         <p:spPr>
           <a:xfrm rot="5400000">
-            <a:off x="5810297" y="3566281"/>
+            <a:off x="5810297" y="3848912"/>
             <a:ext cx="598752" cy="2524447"/>
           </a:xfrm>
           <a:prstGeom prst="rightBrace">
@@ -7440,8 +7505,8 @@
         </p:nvSpPr>
         <p:spPr>
           <a:xfrm>
-            <a:off x="237067" y="121458"/>
-            <a:ext cx="6358857" cy="369332"/>
+            <a:off x="308068" y="276489"/>
+            <a:ext cx="3341877" cy="646331"/>
           </a:xfrm>
           <a:prstGeom prst="rect">
             <a:avLst/>
@@ -7455,22 +7520,28 @@
           <a:lstStyle/>
           <a:p>
             <a:r>
-              <a:rPr lang="en-US" dirty="0" smtClean="0"/>
+              <a:rPr lang="en-US" dirty="0" smtClean="0">
+                <a:latin typeface="+mj-lt"/>
+              </a:rPr>
               <a:t>Dependency tree of </a:t>
             </a:r>
             <a:r>
-              <a:rPr lang="en-US" dirty="0" smtClean="0"/>
-              <a:t>suppression functions </a:t>
-            </a:r>
-            <a:r>
-              <a:rPr lang="en-US" dirty="0" smtClean="0"/>
-              <a:t>in /</a:t>
-            </a:r>
-            <a:r>
-              <a:rPr lang="en-US" i="1" dirty="0" smtClean="0"/>
-              <a:t>suppress-for-release</a:t>
-            </a:r>
-            <a:endParaRPr lang="en-US" i="1" dirty="0"/>
+              <a:rPr lang="en-US" dirty="0" smtClean="0">
+                <a:latin typeface="+mj-lt"/>
+              </a:rPr>
+              <a:t>key functions</a:t>
+            </a:r>
+          </a:p>
+          <a:p>
+            <a:r>
+              <a:rPr lang="en-US" dirty="0" smtClean="0">
+                <a:latin typeface="+mj-lt"/>
+              </a:rPr>
+              <a:t>in assisted redaction of small cells</a:t>
+            </a:r>
+            <a:endParaRPr lang="en-US" dirty="0">
+              <a:latin typeface="+mj-lt"/>
+            </a:endParaRPr>
           </a:p>
         </p:txBody>
       </p:sp>
@@ -7482,7 +7553,7 @@
         </p:nvSpPr>
         <p:spPr>
           <a:xfrm rot="5400000">
-            <a:off x="5810295" y="4467157"/>
+            <a:off x="5810295" y="4749788"/>
             <a:ext cx="598752" cy="2524447"/>
           </a:xfrm>
           <a:prstGeom prst="rightBrace">
@@ -7525,10 +7596,10 @@
         </p:nvGrpSpPr>
         <p:grpSpPr>
           <a:xfrm>
-            <a:off x="2607793" y="1447187"/>
-            <a:ext cx="6931381" cy="1610566"/>
-            <a:chOff x="221322" y="1433595"/>
-            <a:chExt cx="6931381" cy="1610566"/>
+            <a:off x="2607793" y="1637612"/>
+            <a:ext cx="6931381" cy="1702772"/>
+            <a:chOff x="221322" y="1341389"/>
+            <a:chExt cx="6931381" cy="1702772"/>
           </a:xfrm>
         </p:grpSpPr>
         <p:sp>
@@ -7539,7 +7610,7 @@
           </p:nvSpPr>
           <p:spPr>
             <a:xfrm>
-              <a:off x="4985424" y="1993937"/>
+              <a:off x="4968244" y="2062730"/>
               <a:ext cx="2092239" cy="338554"/>
             </a:xfrm>
             <a:prstGeom prst="rect">
@@ -7616,9 +7687,9 @@
           </p:nvGrpSpPr>
           <p:grpSpPr>
             <a:xfrm>
-              <a:off x="554518" y="1433595"/>
+              <a:off x="486004" y="1341389"/>
               <a:ext cx="4413726" cy="951698"/>
-              <a:chOff x="554518" y="1433595"/>
+              <a:chOff x="486004" y="1341389"/>
               <a:chExt cx="4413726" cy="951698"/>
             </a:xfrm>
           </p:grpSpPr>
@@ -7630,7 +7701,7 @@
             </p:nvSpPr>
             <p:spPr>
               <a:xfrm>
-                <a:off x="554519" y="1433595"/>
+                <a:off x="486005" y="1341389"/>
                 <a:ext cx="2428870" cy="338554"/>
               </a:xfrm>
               <a:prstGeom prst="rect">
@@ -7670,7 +7741,7 @@
             </p:nvSpPr>
             <p:spPr>
               <a:xfrm>
-                <a:off x="1030458" y="1740167"/>
+                <a:off x="961944" y="1647961"/>
                 <a:ext cx="2765501" cy="338554"/>
               </a:xfrm>
               <a:prstGeom prst="rect">
@@ -7704,7 +7775,7 @@
             </p:nvSpPr>
             <p:spPr>
               <a:xfrm>
-                <a:off x="1753903" y="2046739"/>
+                <a:off x="1685389" y="1954533"/>
                 <a:ext cx="3214341" cy="338554"/>
               </a:xfrm>
               <a:prstGeom prst="rect">
@@ -7741,7 +7812,7 @@
             </p:nvCxnSpPr>
             <p:spPr>
               <a:xfrm rot="10800000" flipH="1" flipV="1">
-                <a:off x="554518" y="1602872"/>
+                <a:off x="486004" y="1510666"/>
                 <a:ext cx="475939" cy="306572"/>
               </a:xfrm>
               <a:prstGeom prst="bentConnector3">
@@ -7779,7 +7850,7 @@
             </p:nvCxnSpPr>
             <p:spPr>
               <a:xfrm rot="10800000" flipH="1" flipV="1">
-                <a:off x="1030457" y="1909444"/>
+                <a:off x="961943" y="1817238"/>
                 <a:ext cx="723445" cy="306572"/>
               </a:xfrm>
               <a:prstGeom prst="bentConnector3">
@@ -7816,7 +7887,7 @@
         </p:nvSpPr>
         <p:spPr>
           <a:xfrm>
-            <a:off x="9802369" y="3079157"/>
+            <a:off x="9170391" y="3363800"/>
             <a:ext cx="2254651" cy="338554"/>
           </a:xfrm>
           <a:prstGeom prst="rect">
@@ -7834,13 +7905,7 @@
               <a:rPr lang="en-US" sz="1600" dirty="0" smtClean="0">
                 <a:latin typeface="Consolas" panose="020B0609020204030204" pitchFamily="49" charset="0"/>
               </a:rPr>
-              <a:t>make_color_scale</a:t>
-            </a:r>
-            <a:r>
-              <a:rPr lang="en-US" sz="1600" dirty="0" smtClean="0">
-                <a:latin typeface="Consolas" panose="020B0609020204030204" pitchFamily="49" charset="0"/>
-              </a:rPr>
-              <a:t>()</a:t>
+              <a:t>make_color_scale()</a:t>
             </a:r>
             <a:endParaRPr lang="en-US" sz="1600" dirty="0">
               <a:latin typeface="Consolas" panose="020B0609020204030204" pitchFamily="49" charset="0"/>
@@ -7848,22 +7913,22 @@
           </a:p>
         </p:txBody>
       </p:sp>
-      <p:sp>
-        <p:nvSpPr>
-          <p:cNvPr id="23" name="Right Brace 22"/>
-          <p:cNvSpPr/>
+      <p:cxnSp>
+        <p:nvCxnSpPr>
+          <p:cNvPr id="18" name="Straight Connector 17"/>
+          <p:cNvCxnSpPr>
+            <a:stCxn id="14" idx="2"/>
+            <a:endCxn id="21" idx="0"/>
+          </p:cNvCxnSpPr>
           <p:nvPr/>
-        </p:nvSpPr>
+        </p:nvCxnSpPr>
         <p:spPr>
-          <a:xfrm rot="5400000">
-            <a:off x="10538818" y="1493159"/>
-            <a:ext cx="546812" cy="2019710"/>
+          <a:xfrm flipH="1">
+            <a:off x="10297717" y="511054"/>
+            <a:ext cx="1" cy="2852746"/>
           </a:xfrm>
-          <a:prstGeom prst="rightBrace">
-            <a:avLst>
-              <a:gd name="adj1" fmla="val 105405"/>
-              <a:gd name="adj2" fmla="val 50000"/>
-            </a:avLst>
+          <a:prstGeom prst="line">
+            <a:avLst/>
           </a:prstGeom>
         </p:spPr>
         <p:style>
@@ -7880,13 +7945,290 @@
             <a:schemeClr val="tx1"/>
           </a:fontRef>
         </p:style>
-        <p:txBody>
-          <a:bodyPr rtlCol="0" anchor="ctr"/>
-          <a:lstStyle/>
-          <a:p>
-            <a:pPr algn="ctr"/>
-            <a:endParaRPr lang="en-US" sz="1600">
-              <a:latin typeface="Consolas" panose="020B0609020204030204" pitchFamily="49" charset="0"/>
+      </p:cxnSp>
+      <p:grpSp>
+        <p:nvGrpSpPr>
+          <p:cNvPr id="44" name="Group 43"/>
+          <p:cNvGrpSpPr/>
+          <p:nvPr/>
+        </p:nvGrpSpPr>
+        <p:grpSpPr>
+          <a:xfrm>
+            <a:off x="4487484" y="184969"/>
+            <a:ext cx="3217026" cy="1480072"/>
+            <a:chOff x="6484963" y="251034"/>
+            <a:chExt cx="3217026" cy="1480072"/>
+          </a:xfrm>
+        </p:grpSpPr>
+        <p:sp>
+          <p:nvSpPr>
+            <p:cNvPr id="36" name="TextBox 35"/>
+            <p:cNvSpPr txBox="1"/>
+            <p:nvPr/>
+          </p:nvSpPr>
+          <p:spPr>
+            <a:xfrm>
+              <a:off x="6699274" y="764188"/>
+              <a:ext cx="1418978" cy="338554"/>
+            </a:xfrm>
+            <a:prstGeom prst="rect">
+              <a:avLst/>
+            </a:prstGeom>
+            <a:noFill/>
+          </p:spPr>
+          <p:txBody>
+            <a:bodyPr wrap="none" rtlCol="0">
+              <a:spAutoFit/>
+            </a:bodyPr>
+            <a:lstStyle/>
+            <a:p>
+              <a:r>
+                <a:rPr lang="en-US" sz="1600" dirty="0" smtClean="0">
+                  <a:latin typeface="Consolas" panose="020B0609020204030204" pitchFamily="49" charset="0"/>
+                </a:rPr>
+                <a:t>clean_raw()</a:t>
+              </a:r>
+              <a:endParaRPr lang="en-US" sz="1600" dirty="0">
+                <a:latin typeface="Consolas" panose="020B0609020204030204" pitchFamily="49" charset="0"/>
+              </a:endParaRPr>
+            </a:p>
+          </p:txBody>
+        </p:sp>
+        <p:sp>
+          <p:nvSpPr>
+            <p:cNvPr id="37" name="TextBox 36"/>
+            <p:cNvSpPr txBox="1"/>
+            <p:nvPr/>
+          </p:nvSpPr>
+          <p:spPr>
+            <a:xfrm>
+              <a:off x="8117635" y="933465"/>
+              <a:ext cx="1531188" cy="338554"/>
+            </a:xfrm>
+            <a:prstGeom prst="rect">
+              <a:avLst/>
+            </a:prstGeom>
+            <a:noFill/>
+          </p:spPr>
+          <p:txBody>
+            <a:bodyPr wrap="none" rtlCol="0">
+              <a:spAutoFit/>
+            </a:bodyPr>
+            <a:lstStyle/>
+            <a:p>
+              <a:r>
+                <a:rPr lang="en-US" sz="1600" dirty="0" smtClean="0">
+                  <a:latin typeface="Consolas" panose="020B0609020204030204" pitchFamily="49" charset="0"/>
+                </a:rPr>
+                <a:t>tidy_frame()</a:t>
+              </a:r>
+              <a:endParaRPr lang="en-US" sz="1600" dirty="0">
+                <a:latin typeface="Consolas" panose="020B0609020204030204" pitchFamily="49" charset="0"/>
+              </a:endParaRPr>
+            </a:p>
+          </p:txBody>
+        </p:sp>
+        <p:sp>
+          <p:nvSpPr>
+            <p:cNvPr id="38" name="Right Brace 37"/>
+            <p:cNvSpPr/>
+            <p:nvPr/>
+          </p:nvSpPr>
+          <p:spPr>
+            <a:xfrm rot="5400000">
+              <a:off x="7668929" y="-358687"/>
+              <a:ext cx="849094" cy="3217026"/>
+            </a:xfrm>
+            <a:prstGeom prst="rightBrace">
+              <a:avLst>
+                <a:gd name="adj1" fmla="val 0"/>
+                <a:gd name="adj2" fmla="val 50258"/>
+              </a:avLst>
+            </a:prstGeom>
+          </p:spPr>
+          <p:style>
+            <a:lnRef idx="1">
+              <a:schemeClr val="dk1"/>
+            </a:lnRef>
+            <a:fillRef idx="0">
+              <a:schemeClr val="dk1"/>
+            </a:fillRef>
+            <a:effectRef idx="0">
+              <a:schemeClr val="dk1"/>
+            </a:effectRef>
+            <a:fontRef idx="minor">
+              <a:schemeClr val="tx1"/>
+            </a:fontRef>
+          </p:style>
+          <p:txBody>
+            <a:bodyPr rtlCol="0" anchor="ctr"/>
+            <a:lstStyle/>
+            <a:p>
+              <a:pPr algn="ctr"/>
+              <a:endParaRPr lang="en-US" sz="1600">
+                <a:latin typeface="Consolas" panose="020B0609020204030204" pitchFamily="49" charset="0"/>
+              </a:endParaRPr>
+            </a:p>
+          </p:txBody>
+        </p:sp>
+        <p:sp>
+          <p:nvSpPr>
+            <p:cNvPr id="41" name="Rectangle 40"/>
+            <p:cNvSpPr/>
+            <p:nvPr/>
+          </p:nvSpPr>
+          <p:spPr>
+            <a:xfrm>
+              <a:off x="7631989" y="1425873"/>
+              <a:ext cx="912806" cy="305233"/>
+            </a:xfrm>
+            <a:prstGeom prst="rect">
+              <a:avLst/>
+            </a:prstGeom>
+          </p:spPr>
+          <p:style>
+            <a:lnRef idx="2">
+              <a:schemeClr val="dk1"/>
+            </a:lnRef>
+            <a:fillRef idx="1">
+              <a:schemeClr val="lt1"/>
+            </a:fillRef>
+            <a:effectRef idx="0">
+              <a:schemeClr val="dk1"/>
+            </a:effectRef>
+            <a:fontRef idx="minor">
+              <a:schemeClr val="dk1"/>
+            </a:fontRef>
+          </p:style>
+          <p:txBody>
+            <a:bodyPr rtlCol="0" anchor="ctr"/>
+            <a:lstStyle/>
+            <a:p>
+              <a:pPr algn="ctr"/>
+              <a:r>
+                <a:rPr lang="en-US" sz="1400" dirty="0" smtClean="0"/>
+                <a:t>Tidy Wide</a:t>
+              </a:r>
+              <a:endParaRPr lang="en-US" sz="1400" dirty="0"/>
+            </a:p>
+          </p:txBody>
+        </p:sp>
+        <p:sp>
+          <p:nvSpPr>
+            <p:cNvPr id="43" name="Right Brace 42"/>
+            <p:cNvSpPr/>
+            <p:nvPr/>
+          </p:nvSpPr>
+          <p:spPr>
+            <a:xfrm rot="16200000">
+              <a:off x="7668929" y="-869395"/>
+              <a:ext cx="849094" cy="3217026"/>
+            </a:xfrm>
+            <a:prstGeom prst="rightBrace">
+              <a:avLst>
+                <a:gd name="adj1" fmla="val 0"/>
+                <a:gd name="adj2" fmla="val 50258"/>
+              </a:avLst>
+            </a:prstGeom>
+          </p:spPr>
+          <p:style>
+            <a:lnRef idx="1">
+              <a:schemeClr val="dk1"/>
+            </a:lnRef>
+            <a:fillRef idx="0">
+              <a:schemeClr val="dk1"/>
+            </a:fillRef>
+            <a:effectRef idx="0">
+              <a:schemeClr val="dk1"/>
+            </a:effectRef>
+            <a:fontRef idx="minor">
+              <a:schemeClr val="tx1"/>
+            </a:fontRef>
+          </p:style>
+          <p:txBody>
+            <a:bodyPr rtlCol="0" anchor="ctr"/>
+            <a:lstStyle/>
+            <a:p>
+              <a:pPr algn="ctr"/>
+              <a:endParaRPr lang="en-US" sz="1600">
+                <a:latin typeface="Consolas" panose="020B0609020204030204" pitchFamily="49" charset="0"/>
+              </a:endParaRPr>
+            </a:p>
+          </p:txBody>
+        </p:sp>
+        <p:sp>
+          <p:nvSpPr>
+            <p:cNvPr id="42" name="Rectangle 41"/>
+            <p:cNvSpPr/>
+            <p:nvPr/>
+          </p:nvSpPr>
+          <p:spPr>
+            <a:xfrm>
+              <a:off x="7620898" y="251034"/>
+              <a:ext cx="902638" cy="305233"/>
+            </a:xfrm>
+            <a:prstGeom prst="rect">
+              <a:avLst/>
+            </a:prstGeom>
+          </p:spPr>
+          <p:style>
+            <a:lnRef idx="2">
+              <a:schemeClr val="dk1"/>
+            </a:lnRef>
+            <a:fillRef idx="1">
+              <a:schemeClr val="lt1"/>
+            </a:fillRef>
+            <a:effectRef idx="0">
+              <a:schemeClr val="dk1"/>
+            </a:effectRef>
+            <a:fontRef idx="minor">
+              <a:schemeClr val="dk1"/>
+            </a:fontRef>
+          </p:style>
+          <p:txBody>
+            <a:bodyPr rtlCol="0" anchor="ctr"/>
+            <a:lstStyle/>
+            <a:p>
+              <a:pPr algn="ctr"/>
+              <a:r>
+                <a:rPr lang="en-US" sz="1400" dirty="0" smtClean="0"/>
+                <a:t>Raw Long</a:t>
+              </a:r>
+              <a:endParaRPr lang="en-US" sz="1400" dirty="0"/>
+            </a:p>
+          </p:txBody>
+        </p:sp>
+      </p:grpSp>
+      <p:sp>
+        <p:nvSpPr>
+          <p:cNvPr id="47" name="TextBox 46"/>
+          <p:cNvSpPr txBox="1"/>
+          <p:nvPr/>
+        </p:nvSpPr>
+        <p:spPr>
+          <a:xfrm>
+            <a:off x="102108" y="6531256"/>
+            <a:ext cx="1915909" cy="261610"/>
+          </a:xfrm>
+          <a:prstGeom prst="rect">
+            <a:avLst/>
+          </a:prstGeom>
+          <a:noFill/>
+        </p:spPr>
+        <p:txBody>
+          <a:bodyPr wrap="none" rtlCol="0">
+            <a:spAutoFit/>
+          </a:bodyPr>
+          <a:lstStyle/>
+          <a:p>
+            <a:r>
+              <a:rPr lang="en-US" sz="1100" dirty="0" smtClean="0">
+                <a:latin typeface="+mj-lt"/>
+              </a:rPr>
+              <a:t>By Andriy Koval, Ph.D. © 2018</a:t>
+            </a:r>
+            <a:endParaRPr lang="en-US" sz="1100" dirty="0">
+              <a:latin typeface="+mj-lt"/>
             </a:endParaRPr>
           </a:p>
         </p:txBody>
